--- a/Hitchhiker's guide to Benchmark.pptx
+++ b/Hitchhiker's guide to Benchmark.pptx
@@ -245,7 +245,7 @@
           <a:p>
             <a:fld id="{EC34C92B-6A45-864A-B429-22A9039765DA}" type="datetimeFigureOut">
               <a:rPr lang="en-US" smtClean="0"/>
-              <a:t>10/15/2018</a:t>
+              <a:t>10/19/2018</a:t>
             </a:fld>
             <a:endParaRPr lang="en-US" dirty="0"/>
           </a:p>
@@ -422,7 +422,7 @@
           <a:p>
             <a:fld id="{0D265FE6-BEE9-465E-9202-2D200EDE749C}" type="datetimeFigureOut">
               <a:rPr lang="en-GB" smtClean="0"/>
-              <a:t>15/10/2018</a:t>
+              <a:t>19/10/2018</a:t>
             </a:fld>
             <a:endParaRPr lang="en-GB" dirty="0"/>
           </a:p>
@@ -10707,7 +10707,7 @@
       </p:grpSpPr>
       <p:pic>
         <p:nvPicPr>
-          <p:cNvPr id="9" name="Picture Placeholder 8" descr="Turtle in ocean">
+          <p:cNvPr id="9" name="Picture Placeholder 8">
             <a:extLst>
               <a:ext uri="{FF2B5EF4-FFF2-40B4-BE49-F238E27FC236}">
                 <a16:creationId xmlns:a16="http://schemas.microsoft.com/office/drawing/2014/main" id="{1BF8833C-D907-D24E-949C-65190DF62995}"/>
@@ -10723,13 +10723,13 @@
         </p:nvPicPr>
         <p:blipFill rotWithShape="1">
           <a:blip r:embed="rId2"/>
-          <a:srcRect l="-101" t="28284" r="101" b="22912"/>
+          <a:srcRect l="-52" t="28257" r="52" b="22969"/>
           <a:stretch/>
         </p:blipFill>
         <p:spPr>
           <a:xfrm>
-            <a:off x="123992" y="124953"/>
-            <a:ext cx="11944014" cy="4372387"/>
+            <a:off x="128016" y="124953"/>
+            <a:ext cx="11942064" cy="4370832"/>
           </a:xfrm>
         </p:spPr>
       </p:pic>
@@ -13060,7 +13060,7 @@
       </p:grpSpPr>
       <p:pic>
         <p:nvPicPr>
-          <p:cNvPr id="15" name="Picture Placeholder 14" descr="turtle in ocean">
+          <p:cNvPr id="15" name="Picture Placeholder 14">
             <a:extLst>
               <a:ext uri="{FF2B5EF4-FFF2-40B4-BE49-F238E27FC236}">
                 <a16:creationId xmlns:a16="http://schemas.microsoft.com/office/drawing/2014/main" id="{C7A54B61-8541-AB40-BD1C-F80E8A424061}"/>
@@ -13068,21 +13068,22 @@
             </a:extLst>
           </p:cNvPr>
           <p:cNvPicPr>
-            <a:picLocks noGrp="1" noChangeAspect="1"/>
+            <a:picLocks noGrp="1"/>
           </p:cNvPicPr>
           <p:nvPr>
             <p:ph type="pic" sz="quarter" idx="13"/>
           </p:nvPr>
         </p:nvPicPr>
-        <p:blipFill rotWithShape="1">
+        <p:blipFill>
           <a:blip r:embed="rId2"/>
-          <a:srcRect t="20921" b="4079"/>
-          <a:stretch/>
+          <a:stretch>
+            <a:fillRect/>
+          </a:stretch>
         </p:blipFill>
         <p:spPr>
           <a:xfrm>
             <a:off x="0" y="0"/>
-            <a:ext cx="12192000" cy="6858000"/>
+            <a:ext cx="12188952" cy="6858000"/>
           </a:xfrm>
         </p:spPr>
       </p:pic>
@@ -15957,6 +15958,15 @@
 </file>
 
 <file path=customXml/item2.xml><?xml version="1.0" encoding="utf-8"?>
+<p:properties xmlns:p="http://schemas.microsoft.com/office/2006/metadata/properties" xmlns:xsi="http://www.w3.org/2001/XMLSchema-instance" xmlns:pc="http://schemas.microsoft.com/office/infopath/2007/PartnerControls">
+  <documentManagement>
+    <_ip_UnifiedCompliancePolicyUIAction xmlns="http://schemas.microsoft.com/sharepoint/v3" xsi:nil="true"/>
+    <_ip_UnifiedCompliancePolicyProperties xmlns="http://schemas.microsoft.com/sharepoint/v3" xsi:nil="true"/>
+  </documentManagement>
+</p:properties>
+</file>
+
+<file path=customXml/item3.xml><?xml version="1.0" encoding="utf-8"?>
 <ct:contentTypeSchema xmlns:ct="http://schemas.microsoft.com/office/2006/metadata/contentType" xmlns:ma="http://schemas.microsoft.com/office/2006/metadata/properties/metaAttributes" ct:_="" ma:_="" ma:contentTypeName="Document" ma:contentTypeID="0x010100DEEA25CC0A0AC24199CDC46C25B8B0BC" ma:contentTypeVersion="10" ma:contentTypeDescription="Create a new document." ma:contentTypeScope="" ma:versionID="e3b47856d4cf355c0dacb39e1084d14f">
   <xsd:schema xmlns:xsd="http://www.w3.org/2001/XMLSchema" xmlns:xs="http://www.w3.org/2001/XMLSchema" xmlns:p="http://schemas.microsoft.com/office/2006/metadata/properties" xmlns:ns1="http://schemas.microsoft.com/sharepoint/v3" xmlns:ns2="6dc4bcd6-49db-4c07-9060-8acfc67cef9f" xmlns:ns3="fb0879af-3eba-417a-a55a-ffe6dcd6ca77" targetNamespace="http://schemas.microsoft.com/office/2006/metadata/properties" ma:root="true" ma:fieldsID="a845a615265fdb1f7b12cc65ac20ecbd" ns1:_="" ns2:_="" ns3:_="">
     <xsd:import namespace="http://schemas.microsoft.com/sharepoint/v3"/>
@@ -16164,15 +16174,6 @@
 </ct:contentTypeSchema>
 </file>
 
-<file path=customXml/item3.xml><?xml version="1.0" encoding="utf-8"?>
-<p:properties xmlns:p="http://schemas.microsoft.com/office/2006/metadata/properties" xmlns:xsi="http://www.w3.org/2001/XMLSchema-instance" xmlns:pc="http://schemas.microsoft.com/office/infopath/2007/PartnerControls">
-  <documentManagement>
-    <_ip_UnifiedCompliancePolicyUIAction xmlns="http://schemas.microsoft.com/sharepoint/v3" xsi:nil="true"/>
-    <_ip_UnifiedCompliancePolicyProperties xmlns="http://schemas.microsoft.com/sharepoint/v3" xsi:nil="true"/>
-  </documentManagement>
-</p:properties>
-</file>
-
 <file path=customXml/itemProps1.xml><?xml version="1.0" encoding="utf-8"?>
 <ds:datastoreItem xmlns:ds="http://schemas.openxmlformats.org/officeDocument/2006/customXml" ds:itemID="{723BE856-B6C2-4675-AE16-47A27D415D46}">
   <ds:schemaRefs>
@@ -16182,6 +16183,16 @@
 </file>
 
 <file path=customXml/itemProps2.xml><?xml version="1.0" encoding="utf-8"?>
+<ds:datastoreItem xmlns:ds="http://schemas.openxmlformats.org/officeDocument/2006/customXml" ds:itemID="{450439D9-8631-4FC1-BCE0-1BDB23425EE1}">
+  <ds:schemaRefs>
+    <ds:schemaRef ds:uri="http://schemas.microsoft.com/office/2006/metadata/properties"/>
+    <ds:schemaRef ds:uri="http://schemas.microsoft.com/office/infopath/2007/PartnerControls"/>
+    <ds:schemaRef ds:uri="http://schemas.microsoft.com/sharepoint/v3"/>
+  </ds:schemaRefs>
+</ds:datastoreItem>
+</file>
+
+<file path=customXml/itemProps3.xml><?xml version="1.0" encoding="utf-8"?>
 <ds:datastoreItem xmlns:ds="http://schemas.openxmlformats.org/officeDocument/2006/customXml" ds:itemID="{67D8A4B1-1036-4F2B-9C1A-A86F68D31427}">
   <ds:schemaRefs>
     <ds:schemaRef ds:uri="http://schemas.microsoft.com/office/2006/metadata/contentType"/>
@@ -16199,14 +16210,4 @@
     <ds:schemaRef ds:uri="http://schemas.microsoft.com/internal/obd"/>
   </ds:schemaRefs>
 </ds:datastoreItem>
-</file>
-
-<file path=customXml/itemProps3.xml><?xml version="1.0" encoding="utf-8"?>
-<ds:datastoreItem xmlns:ds="http://schemas.openxmlformats.org/officeDocument/2006/customXml" ds:itemID="{450439D9-8631-4FC1-BCE0-1BDB23425EE1}">
-  <ds:schemaRefs>
-    <ds:schemaRef ds:uri="http://schemas.microsoft.com/office/2006/metadata/properties"/>
-    <ds:schemaRef ds:uri="http://schemas.microsoft.com/office/infopath/2007/PartnerControls"/>
-    <ds:schemaRef ds:uri="http://schemas.microsoft.com/sharepoint/v3"/>
-  </ds:schemaRefs>
-</ds:datastoreItem>
 </file>
--- a/Hitchhiker's guide to Benchmark.pptx
+++ b/Hitchhiker's guide to Benchmark.pptx
@@ -15123,7 +15123,7 @@
 <file path=ppt/theme/theme1.xml><?xml version="1.0" encoding="utf-8"?>
 <a:theme xmlns:a="http://schemas.openxmlformats.org/drawingml/2006/main" name="Office Theme">
   <a:themeElements>
-    <a:clrScheme name="MSFT_01">
+    <a:clrScheme name="Violet II">
       <a:dk1>
         <a:sysClr val="windowText" lastClr="000000"/>
       </a:dk1>
@@ -15131,34 +15131,34 @@
         <a:sysClr val="window" lastClr="FFFFFF"/>
       </a:lt1>
       <a:dk2>
-        <a:srgbClr val="3F3F3F"/>
+        <a:srgbClr val="632E62"/>
       </a:dk2>
       <a:lt2>
-        <a:srgbClr val="FFFFFF"/>
+        <a:srgbClr val="EAE5EB"/>
       </a:lt2>
       <a:accent1>
-        <a:srgbClr val="01C6FD"/>
+        <a:srgbClr val="92278F"/>
       </a:accent1>
       <a:accent2>
-        <a:srgbClr val="067F9C"/>
+        <a:srgbClr val="9B57D3"/>
       </a:accent2>
       <a:accent3>
-        <a:srgbClr val="014E52"/>
+        <a:srgbClr val="755DD9"/>
       </a:accent3>
       <a:accent4>
-        <a:srgbClr val="ED7D31"/>
+        <a:srgbClr val="665EB8"/>
       </a:accent4>
       <a:accent5>
-        <a:srgbClr val="79AE02"/>
+        <a:srgbClr val="45A5ED"/>
       </a:accent5>
       <a:accent6>
-        <a:srgbClr val="0070C0"/>
+        <a:srgbClr val="5982DB"/>
       </a:accent6>
       <a:hlink>
-        <a:srgbClr val="01C6FD"/>
+        <a:srgbClr val="0066FF"/>
       </a:hlink>
       <a:folHlink>
-        <a:srgbClr val="954F72"/>
+        <a:srgbClr val="666699"/>
       </a:folHlink>
     </a:clrScheme>
     <a:fontScheme name="MSFT_01">
@@ -15958,15 +15958,6 @@
 </file>
 
 <file path=customXml/item2.xml><?xml version="1.0" encoding="utf-8"?>
-<p:properties xmlns:p="http://schemas.microsoft.com/office/2006/metadata/properties" xmlns:xsi="http://www.w3.org/2001/XMLSchema-instance" xmlns:pc="http://schemas.microsoft.com/office/infopath/2007/PartnerControls">
-  <documentManagement>
-    <_ip_UnifiedCompliancePolicyUIAction xmlns="http://schemas.microsoft.com/sharepoint/v3" xsi:nil="true"/>
-    <_ip_UnifiedCompliancePolicyProperties xmlns="http://schemas.microsoft.com/sharepoint/v3" xsi:nil="true"/>
-  </documentManagement>
-</p:properties>
-</file>
-
-<file path=customXml/item3.xml><?xml version="1.0" encoding="utf-8"?>
 <ct:contentTypeSchema xmlns:ct="http://schemas.microsoft.com/office/2006/metadata/contentType" xmlns:ma="http://schemas.microsoft.com/office/2006/metadata/properties/metaAttributes" ct:_="" ma:_="" ma:contentTypeName="Document" ma:contentTypeID="0x010100DEEA25CC0A0AC24199CDC46C25B8B0BC" ma:contentTypeVersion="10" ma:contentTypeDescription="Create a new document." ma:contentTypeScope="" ma:versionID="e3b47856d4cf355c0dacb39e1084d14f">
   <xsd:schema xmlns:xsd="http://www.w3.org/2001/XMLSchema" xmlns:xs="http://www.w3.org/2001/XMLSchema" xmlns:p="http://schemas.microsoft.com/office/2006/metadata/properties" xmlns:ns1="http://schemas.microsoft.com/sharepoint/v3" xmlns:ns2="6dc4bcd6-49db-4c07-9060-8acfc67cef9f" xmlns:ns3="fb0879af-3eba-417a-a55a-ffe6dcd6ca77" targetNamespace="http://schemas.microsoft.com/office/2006/metadata/properties" ma:root="true" ma:fieldsID="a845a615265fdb1f7b12cc65ac20ecbd" ns1:_="" ns2:_="" ns3:_="">
     <xsd:import namespace="http://schemas.microsoft.com/sharepoint/v3"/>
@@ -16174,6 +16165,15 @@
 </ct:contentTypeSchema>
 </file>
 
+<file path=customXml/item3.xml><?xml version="1.0" encoding="utf-8"?>
+<p:properties xmlns:p="http://schemas.microsoft.com/office/2006/metadata/properties" xmlns:xsi="http://www.w3.org/2001/XMLSchema-instance" xmlns:pc="http://schemas.microsoft.com/office/infopath/2007/PartnerControls">
+  <documentManagement>
+    <_ip_UnifiedCompliancePolicyUIAction xmlns="http://schemas.microsoft.com/sharepoint/v3" xsi:nil="true"/>
+    <_ip_UnifiedCompliancePolicyProperties xmlns="http://schemas.microsoft.com/sharepoint/v3" xsi:nil="true"/>
+  </documentManagement>
+</p:properties>
+</file>
+
 <file path=customXml/itemProps1.xml><?xml version="1.0" encoding="utf-8"?>
 <ds:datastoreItem xmlns:ds="http://schemas.openxmlformats.org/officeDocument/2006/customXml" ds:itemID="{723BE856-B6C2-4675-AE16-47A27D415D46}">
   <ds:schemaRefs>
@@ -16183,16 +16183,6 @@
 </file>
 
 <file path=customXml/itemProps2.xml><?xml version="1.0" encoding="utf-8"?>
-<ds:datastoreItem xmlns:ds="http://schemas.openxmlformats.org/officeDocument/2006/customXml" ds:itemID="{450439D9-8631-4FC1-BCE0-1BDB23425EE1}">
-  <ds:schemaRefs>
-    <ds:schemaRef ds:uri="http://schemas.microsoft.com/office/2006/metadata/properties"/>
-    <ds:schemaRef ds:uri="http://schemas.microsoft.com/office/infopath/2007/PartnerControls"/>
-    <ds:schemaRef ds:uri="http://schemas.microsoft.com/sharepoint/v3"/>
-  </ds:schemaRefs>
-</ds:datastoreItem>
-</file>
-
-<file path=customXml/itemProps3.xml><?xml version="1.0" encoding="utf-8"?>
 <ds:datastoreItem xmlns:ds="http://schemas.openxmlformats.org/officeDocument/2006/customXml" ds:itemID="{67D8A4B1-1036-4F2B-9C1A-A86F68D31427}">
   <ds:schemaRefs>
     <ds:schemaRef ds:uri="http://schemas.microsoft.com/office/2006/metadata/contentType"/>
@@ -16210,4 +16200,14 @@
     <ds:schemaRef ds:uri="http://schemas.microsoft.com/internal/obd"/>
   </ds:schemaRefs>
 </ds:datastoreItem>
+</file>
+
+<file path=customXml/itemProps3.xml><?xml version="1.0" encoding="utf-8"?>
+<ds:datastoreItem xmlns:ds="http://schemas.openxmlformats.org/officeDocument/2006/customXml" ds:itemID="{450439D9-8631-4FC1-BCE0-1BDB23425EE1}">
+  <ds:schemaRefs>
+    <ds:schemaRef ds:uri="http://schemas.microsoft.com/office/2006/metadata/properties"/>
+    <ds:schemaRef ds:uri="http://schemas.microsoft.com/office/infopath/2007/PartnerControls"/>
+    <ds:schemaRef ds:uri="http://schemas.microsoft.com/sharepoint/v3"/>
+  </ds:schemaRefs>
+</ds:datastoreItem>
 </file>
--- a/Hitchhiker's guide to Benchmark.pptx
+++ b/Hitchhiker's guide to Benchmark.pptx
@@ -12,10 +12,10 @@
   </p:handoutMasterIdLst>
   <p:sldIdLst>
     <p:sldId id="256" r:id="rId5"/>
-    <p:sldId id="309" r:id="rId6"/>
-    <p:sldId id="257" r:id="rId7"/>
-    <p:sldId id="258" r:id="rId8"/>
-    <p:sldId id="311" r:id="rId9"/>
+    <p:sldId id="311" r:id="rId6"/>
+    <p:sldId id="309" r:id="rId7"/>
+    <p:sldId id="257" r:id="rId8"/>
+    <p:sldId id="258" r:id="rId9"/>
     <p:sldId id="310" r:id="rId10"/>
     <p:sldId id="283" r:id="rId11"/>
     <p:sldId id="284" r:id="rId12"/>
@@ -11823,35 +11823,6 @@
       </p:grpSpPr>
       <p:sp>
         <p:nvSpPr>
-          <p:cNvPr id="10" name="Title 9">
-            <a:extLst>
-              <a:ext uri="{FF2B5EF4-FFF2-40B4-BE49-F238E27FC236}">
-                <a16:creationId xmlns:a16="http://schemas.microsoft.com/office/drawing/2014/main" id="{24FAFA63-EF73-4268-8107-6CD20923D700}"/>
-              </a:ext>
-            </a:extLst>
-          </p:cNvPr>
-          <p:cNvSpPr>
-            <a:spLocks noGrp="1"/>
-          </p:cNvSpPr>
-          <p:nvPr>
-            <p:ph type="title"/>
-          </p:nvPr>
-        </p:nvSpPr>
-        <p:spPr/>
-        <p:txBody>
-          <a:bodyPr/>
-          <a:lstStyle/>
-          <a:p>
-            <a:r>
-              <a:rPr lang="en-US" dirty="0"/>
-              <a:t>Hitchhiker's guide to Benchmark.NET</a:t>
-            </a:r>
-            <a:endParaRPr lang="en-GB" dirty="0"/>
-          </a:p>
-        </p:txBody>
-      </p:sp>
-      <p:sp>
-        <p:nvSpPr>
           <p:cNvPr id="13" name="Content Placeholder 12">
             <a:extLst>
               <a:ext uri="{FF2B5EF4-FFF2-40B4-BE49-F238E27FC236}">
@@ -11876,54 +11847,35 @@
           <a:bodyPr/>
           <a:lstStyle/>
           <a:p>
-            <a:r>
-              <a:rPr lang="en-US" sz="3200" dirty="0"/>
-              <a:t>Introduction</a:t>
-            </a:r>
-          </a:p>
-          <a:p>
-            <a:r>
-              <a:rPr lang="en-US" sz="3200" dirty="0"/>
-              <a:t>Why Benchmarking?</a:t>
+            <a:pPr marL="0" indent="0">
+              <a:buNone/>
+            </a:pPr>
+            <a:r>
+              <a:rPr lang="en-US" sz="3200" b="1" dirty="0"/>
+              <a:t>About me</a:t>
             </a:r>
           </a:p>
           <a:p>
             <a:r>
               <a:rPr lang="en-GB" sz="3200" dirty="0"/>
-              <a:t>Why Benchmark.NET?</a:t>
+              <a:t>C# .NET Developer </a:t>
             </a:r>
           </a:p>
           <a:p>
             <a:r>
               <a:rPr lang="en-GB" sz="3200" dirty="0"/>
-              <a:t>Benchmark.NET Features</a:t>
-            </a:r>
-          </a:p>
-          <a:p>
-            <a:pPr lvl="1"/>
-            <a:r>
-              <a:rPr lang="en-GB" sz="3000" dirty="0"/>
-              <a:t>Examples</a:t>
-            </a:r>
-          </a:p>
-          <a:p>
-            <a:r>
-              <a:rPr lang="en-GB" sz="3200" dirty="0"/>
-              <a:t>Demo</a:t>
-            </a:r>
-          </a:p>
-          <a:p>
-            <a:r>
-              <a:rPr lang="en-GB" sz="3200" dirty="0"/>
-              <a:t>Q &amp; A</a:t>
-            </a:r>
+              <a:t>10+ years experience in Financial Industry</a:t>
+            </a:r>
+          </a:p>
+          <a:p>
+            <a:endParaRPr lang="en-GB" sz="3200" dirty="0"/>
           </a:p>
         </p:txBody>
       </p:sp>
     </p:spTree>
     <p:extLst>
       <p:ext uri="{BB962C8B-B14F-4D97-AF65-F5344CB8AC3E}">
-        <p14:creationId xmlns:p14="http://schemas.microsoft.com/office/powerpoint/2010/main" val="453174858"/>
+        <p14:creationId xmlns:p14="http://schemas.microsoft.com/office/powerpoint/2010/main" val="3738331118"/>
       </p:ext>
     </p:extLst>
   </p:cSld>
@@ -12870,73 +12822,95 @@
           <a:chExt cx="0" cy="0"/>
         </a:xfrm>
       </p:grpSpPr>
-      <p:pic>
-        <p:nvPicPr>
-          <p:cNvPr id="3" name="Picture 2">
-            <a:extLst>
-              <a:ext uri="{FF2B5EF4-FFF2-40B4-BE49-F238E27FC236}">
-                <a16:creationId xmlns:a16="http://schemas.microsoft.com/office/drawing/2014/main" id="{BF9F4FA9-DEEE-4D8B-AEF2-95204816E78D}"/>
-              </a:ext>
-            </a:extLst>
-          </p:cNvPr>
-          <p:cNvPicPr>
-            <a:picLocks noChangeAspect="1"/>
-          </p:cNvPicPr>
-          <p:nvPr/>
-        </p:nvPicPr>
-        <p:blipFill>
-          <a:blip r:embed="rId2">
-            <a:extLst>
-              <a:ext uri="{28A0092B-C50C-407E-A947-70E740481C1C}">
-                <a14:useLocalDpi xmlns:a14="http://schemas.microsoft.com/office/drawing/2010/main" val="0"/>
-              </a:ext>
-            </a:extLst>
-          </a:blip>
-          <a:stretch>
-            <a:fillRect/>
-          </a:stretch>
-        </p:blipFill>
-        <p:spPr>
-          <a:xfrm>
-            <a:off x="1154790" y="1276027"/>
-            <a:ext cx="10257355" cy="3152538"/>
-          </a:xfrm>
-          <a:prstGeom prst="rect">
-            <a:avLst/>
-          </a:prstGeom>
-        </p:spPr>
-      </p:pic>
-      <p:sp>
-        <p:nvSpPr>
-          <p:cNvPr id="4" name="TextBox 3">
-            <a:extLst>
-              <a:ext uri="{FF2B5EF4-FFF2-40B4-BE49-F238E27FC236}">
-                <a16:creationId xmlns:a16="http://schemas.microsoft.com/office/drawing/2014/main" id="{2C073C10-2823-4B03-A0D1-20338368ADDD}"/>
-              </a:ext>
-            </a:extLst>
-          </p:cNvPr>
-          <p:cNvSpPr txBox="1"/>
-          <p:nvPr/>
-        </p:nvSpPr>
-        <p:spPr>
-          <a:xfrm>
-            <a:off x="4610079" y="5086637"/>
-            <a:ext cx="2971839" cy="553998"/>
-          </a:xfrm>
-          <a:prstGeom prst="rect">
-            <a:avLst/>
-          </a:prstGeom>
-          <a:noFill/>
-        </p:spPr>
-        <p:txBody>
-          <a:bodyPr wrap="none" rtlCol="0">
-            <a:spAutoFit/>
-          </a:bodyPr>
+      <p:sp>
+        <p:nvSpPr>
+          <p:cNvPr id="10" name="Title 9">
+            <a:extLst>
+              <a:ext uri="{FF2B5EF4-FFF2-40B4-BE49-F238E27FC236}">
+                <a16:creationId xmlns:a16="http://schemas.microsoft.com/office/drawing/2014/main" id="{24FAFA63-EF73-4268-8107-6CD20923D700}"/>
+              </a:ext>
+            </a:extLst>
+          </p:cNvPr>
+          <p:cNvSpPr>
+            <a:spLocks noGrp="1"/>
+          </p:cNvSpPr>
+          <p:nvPr>
+            <p:ph type="title"/>
+          </p:nvPr>
+        </p:nvSpPr>
+        <p:spPr/>
+        <p:txBody>
+          <a:bodyPr/>
           <a:lstStyle/>
           <a:p>
             <a:r>
-              <a:rPr lang="en-US" sz="3000" dirty="0"/>
-              <a:t>Marquee Sponsor</a:t>
+              <a:rPr lang="en-US" dirty="0"/>
+              <a:t>Hitchhiker's guide to Benchmark.NET</a:t>
+            </a:r>
+            <a:endParaRPr lang="en-GB" dirty="0"/>
+          </a:p>
+        </p:txBody>
+      </p:sp>
+      <p:sp>
+        <p:nvSpPr>
+          <p:cNvPr id="13" name="Content Placeholder 12">
+            <a:extLst>
+              <a:ext uri="{FF2B5EF4-FFF2-40B4-BE49-F238E27FC236}">
+                <a16:creationId xmlns:a16="http://schemas.microsoft.com/office/drawing/2014/main" id="{265BEEEB-C965-402F-B778-B1CD1494ACE6}"/>
+              </a:ext>
+            </a:extLst>
+          </p:cNvPr>
+          <p:cNvSpPr>
+            <a:spLocks noGrp="1"/>
+          </p:cNvSpPr>
+          <p:nvPr>
+            <p:ph idx="1"/>
+          </p:nvPr>
+        </p:nvSpPr>
+        <p:spPr>
+          <a:xfrm>
+            <a:off x="446315" y="1463040"/>
+            <a:ext cx="11174185" cy="4770098"/>
+          </a:xfrm>
+        </p:spPr>
+        <p:txBody>
+          <a:bodyPr/>
+          <a:lstStyle/>
+          <a:p>
+            <a:r>
+              <a:rPr lang="en-US" sz="3200" dirty="0"/>
+              <a:t>Benchmarking – When and Why?</a:t>
+            </a:r>
+          </a:p>
+          <a:p>
+            <a:r>
+              <a:rPr lang="en-GB" sz="3200" dirty="0"/>
+              <a:t>Why Benchmark.NET?</a:t>
+            </a:r>
+          </a:p>
+          <a:p>
+            <a:r>
+              <a:rPr lang="en-GB" sz="3200" dirty="0"/>
+              <a:t>Benchmark.NET Features</a:t>
+            </a:r>
+          </a:p>
+          <a:p>
+            <a:pPr lvl="1"/>
+            <a:r>
+              <a:rPr lang="en-GB" sz="3000" dirty="0"/>
+              <a:t>Examples</a:t>
+            </a:r>
+          </a:p>
+          <a:p>
+            <a:r>
+              <a:rPr lang="en-GB" sz="3200" dirty="0"/>
+              <a:t>Demo</a:t>
+            </a:r>
+          </a:p>
+          <a:p>
+            <a:r>
+              <a:rPr lang="en-GB" sz="3200" dirty="0"/>
+              <a:t>Q &amp; A</a:t>
             </a:r>
           </a:p>
         </p:txBody>
@@ -12944,7 +12918,7 @@
     </p:spTree>
     <p:extLst>
       <p:ext uri="{BB962C8B-B14F-4D97-AF65-F5344CB8AC3E}">
-        <p14:creationId xmlns:p14="http://schemas.microsoft.com/office/powerpoint/2010/main" val="3809326093"/>
+        <p14:creationId xmlns:p14="http://schemas.microsoft.com/office/powerpoint/2010/main" val="453174858"/>
       </p:ext>
     </p:extLst>
   </p:cSld>
@@ -13507,6 +13481,107 @@
       </p:grpSpPr>
       <p:pic>
         <p:nvPicPr>
+          <p:cNvPr id="3" name="Picture 2">
+            <a:extLst>
+              <a:ext uri="{FF2B5EF4-FFF2-40B4-BE49-F238E27FC236}">
+                <a16:creationId xmlns:a16="http://schemas.microsoft.com/office/drawing/2014/main" id="{BF9F4FA9-DEEE-4D8B-AEF2-95204816E78D}"/>
+              </a:ext>
+            </a:extLst>
+          </p:cNvPr>
+          <p:cNvPicPr>
+            <a:picLocks noChangeAspect="1"/>
+          </p:cNvPicPr>
+          <p:nvPr/>
+        </p:nvPicPr>
+        <p:blipFill>
+          <a:blip r:embed="rId2">
+            <a:extLst>
+              <a:ext uri="{28A0092B-C50C-407E-A947-70E740481C1C}">
+                <a14:useLocalDpi xmlns:a14="http://schemas.microsoft.com/office/drawing/2010/main" val="0"/>
+              </a:ext>
+            </a:extLst>
+          </a:blip>
+          <a:stretch>
+            <a:fillRect/>
+          </a:stretch>
+        </p:blipFill>
+        <p:spPr>
+          <a:xfrm>
+            <a:off x="1154790" y="1276027"/>
+            <a:ext cx="10257355" cy="3152538"/>
+          </a:xfrm>
+          <a:prstGeom prst="rect">
+            <a:avLst/>
+          </a:prstGeom>
+        </p:spPr>
+      </p:pic>
+      <p:sp>
+        <p:nvSpPr>
+          <p:cNvPr id="4" name="TextBox 3">
+            <a:extLst>
+              <a:ext uri="{FF2B5EF4-FFF2-40B4-BE49-F238E27FC236}">
+                <a16:creationId xmlns:a16="http://schemas.microsoft.com/office/drawing/2014/main" id="{2C073C10-2823-4B03-A0D1-20338368ADDD}"/>
+              </a:ext>
+            </a:extLst>
+          </p:cNvPr>
+          <p:cNvSpPr txBox="1"/>
+          <p:nvPr/>
+        </p:nvSpPr>
+        <p:spPr>
+          <a:xfrm>
+            <a:off x="4610079" y="5086637"/>
+            <a:ext cx="2971839" cy="553998"/>
+          </a:xfrm>
+          <a:prstGeom prst="rect">
+            <a:avLst/>
+          </a:prstGeom>
+          <a:noFill/>
+        </p:spPr>
+        <p:txBody>
+          <a:bodyPr wrap="none" rtlCol="0">
+            <a:spAutoFit/>
+          </a:bodyPr>
+          <a:lstStyle/>
+          <a:p>
+            <a:r>
+              <a:rPr lang="en-US" sz="3000" dirty="0"/>
+              <a:t>Marquee Sponsor</a:t>
+            </a:r>
+          </a:p>
+        </p:txBody>
+      </p:sp>
+    </p:spTree>
+    <p:extLst>
+      <p:ext uri="{BB962C8B-B14F-4D97-AF65-F5344CB8AC3E}">
+        <p14:creationId xmlns:p14="http://schemas.microsoft.com/office/powerpoint/2010/main" val="3809326093"/>
+      </p:ext>
+    </p:extLst>
+  </p:cSld>
+  <p:clrMapOvr>
+    <a:masterClrMapping/>
+  </p:clrMapOvr>
+</p:sld>
+</file>
+
+<file path=ppt/slides/slide5.xml><?xml version="1.0" encoding="utf-8"?>
+<p:sld xmlns:a="http://schemas.openxmlformats.org/drawingml/2006/main" xmlns:r="http://schemas.openxmlformats.org/officeDocument/2006/relationships" xmlns:p="http://schemas.openxmlformats.org/presentationml/2006/main">
+  <p:cSld>
+    <p:spTree>
+      <p:nvGrpSpPr>
+        <p:cNvPr id="1" name=""/>
+        <p:cNvGrpSpPr/>
+        <p:nvPr/>
+      </p:nvGrpSpPr>
+      <p:grpSpPr>
+        <a:xfrm>
+          <a:off x="0" y="0"/>
+          <a:ext cx="0" cy="0"/>
+          <a:chOff x="0" y="0"/>
+          <a:chExt cx="0" cy="0"/>
+        </a:xfrm>
+      </p:grpSpPr>
+      <p:pic>
+        <p:nvPicPr>
           <p:cNvPr id="9" name="Graphic 8">
             <a:extLst>
               <a:ext uri="{FF2B5EF4-FFF2-40B4-BE49-F238E27FC236}">
@@ -14021,155 +14096,6 @@
 </p:sld>
 </file>
 
-<file path=ppt/slides/slide5.xml><?xml version="1.0" encoding="utf-8"?>
-<p:sld xmlns:a="http://schemas.openxmlformats.org/drawingml/2006/main" xmlns:r="http://schemas.openxmlformats.org/officeDocument/2006/relationships" xmlns:p="http://schemas.openxmlformats.org/presentationml/2006/main">
-  <p:cSld>
-    <p:spTree>
-      <p:nvGrpSpPr>
-        <p:cNvPr id="1" name=""/>
-        <p:cNvGrpSpPr/>
-        <p:nvPr/>
-      </p:nvGrpSpPr>
-      <p:grpSpPr>
-        <a:xfrm>
-          <a:off x="0" y="0"/>
-          <a:ext cx="0" cy="0"/>
-          <a:chOff x="0" y="0"/>
-          <a:chExt cx="0" cy="0"/>
-        </a:xfrm>
-      </p:grpSpPr>
-      <p:sp>
-        <p:nvSpPr>
-          <p:cNvPr id="10" name="Title 9">
-            <a:extLst>
-              <a:ext uri="{FF2B5EF4-FFF2-40B4-BE49-F238E27FC236}">
-                <a16:creationId xmlns:a16="http://schemas.microsoft.com/office/drawing/2014/main" id="{24FAFA63-EF73-4268-8107-6CD20923D700}"/>
-              </a:ext>
-            </a:extLst>
-          </p:cNvPr>
-          <p:cNvSpPr>
-            <a:spLocks noGrp="1"/>
-          </p:cNvSpPr>
-          <p:nvPr>
-            <p:ph type="title"/>
-          </p:nvPr>
-        </p:nvSpPr>
-        <p:spPr/>
-        <p:txBody>
-          <a:bodyPr/>
-          <a:lstStyle/>
-          <a:p>
-            <a:r>
-              <a:rPr lang="en-US" dirty="0"/>
-              <a:t>About … (Introductions)</a:t>
-            </a:r>
-            <a:endParaRPr lang="en-GB" dirty="0"/>
-          </a:p>
-        </p:txBody>
-      </p:sp>
-      <p:sp>
-        <p:nvSpPr>
-          <p:cNvPr id="13" name="Content Placeholder 12">
-            <a:extLst>
-              <a:ext uri="{FF2B5EF4-FFF2-40B4-BE49-F238E27FC236}">
-                <a16:creationId xmlns:a16="http://schemas.microsoft.com/office/drawing/2014/main" id="{265BEEEB-C965-402F-B778-B1CD1494ACE6}"/>
-              </a:ext>
-            </a:extLst>
-          </p:cNvPr>
-          <p:cNvSpPr>
-            <a:spLocks noGrp="1"/>
-          </p:cNvSpPr>
-          <p:nvPr>
-            <p:ph idx="1"/>
-          </p:nvPr>
-        </p:nvSpPr>
-        <p:spPr>
-          <a:xfrm>
-            <a:off x="446315" y="1463040"/>
-            <a:ext cx="11174185" cy="4770098"/>
-          </a:xfrm>
-        </p:spPr>
-        <p:txBody>
-          <a:bodyPr/>
-          <a:lstStyle/>
-          <a:p>
-            <a:pPr marL="0" indent="0">
-              <a:buNone/>
-            </a:pPr>
-            <a:r>
-              <a:rPr lang="en-US" sz="3200" b="1" dirty="0"/>
-              <a:t>About me</a:t>
-            </a:r>
-          </a:p>
-          <a:p>
-            <a:r>
-              <a:rPr lang="en-US" sz="3200" dirty="0"/>
-              <a:t>Anuroopa Shenoy</a:t>
-            </a:r>
-          </a:p>
-          <a:p>
-            <a:r>
-              <a:rPr lang="en-GB" sz="3200" dirty="0"/>
-              <a:t>.NET Developer for 12 years</a:t>
-            </a:r>
-          </a:p>
-          <a:p>
-            <a:pPr marL="0" indent="0">
-              <a:buNone/>
-            </a:pPr>
-            <a:r>
-              <a:rPr lang="en-GB" sz="3200" b="1" dirty="0"/>
-              <a:t>About talk</a:t>
-            </a:r>
-          </a:p>
-          <a:p>
-            <a:pPr lvl="0"/>
-            <a:r>
-              <a:rPr lang="en-US" sz="3200" dirty="0">
-                <a:solidFill>
-                  <a:prstClr val="black">
-                    <a:lumMod val="75000"/>
-                    <a:lumOff val="25000"/>
-                  </a:prstClr>
-                </a:solidFill>
-              </a:rPr>
-              <a:t>Prerequisites</a:t>
-            </a:r>
-            <a:r>
-              <a:rPr lang="en-GB" sz="3200" dirty="0">
-                <a:solidFill>
-                  <a:prstClr val="black">
-                    <a:lumMod val="75000"/>
-                    <a:lumOff val="25000"/>
-                  </a:prstClr>
-                </a:solidFill>
-              </a:rPr>
-              <a:t> - .NET</a:t>
-            </a:r>
-            <a:endParaRPr lang="en-US" sz="3200" dirty="0">
-              <a:solidFill>
-                <a:prstClr val="black">
-                  <a:lumMod val="75000"/>
-                  <a:lumOff val="25000"/>
-                </a:prstClr>
-              </a:solidFill>
-            </a:endParaRPr>
-          </a:p>
-        </p:txBody>
-      </p:sp>
-    </p:spTree>
-    <p:extLst>
-      <p:ext uri="{BB962C8B-B14F-4D97-AF65-F5344CB8AC3E}">
-        <p14:creationId xmlns:p14="http://schemas.microsoft.com/office/powerpoint/2010/main" val="3738331118"/>
-      </p:ext>
-    </p:extLst>
-  </p:cSld>
-  <p:clrMapOvr>
-    <a:masterClrMapping/>
-  </p:clrMapOvr>
-</p:sld>
-</file>
-
 <file path=ppt/slides/slide6.xml><?xml version="1.0" encoding="utf-8"?>
 <p:sld xmlns:a="http://schemas.openxmlformats.org/drawingml/2006/main" xmlns:r="http://schemas.openxmlformats.org/officeDocument/2006/relationships" xmlns:p="http://schemas.openxmlformats.org/presentationml/2006/main">
   <p:cSld>
@@ -14210,7 +14136,11 @@
           <a:p>
             <a:r>
               <a:rPr lang="en-US" dirty="0"/>
-              <a:t>Why Benchmarking? </a:t>
+              <a:t>Benchmarking – When </a:t>
+            </a:r>
+            <a:r>
+              <a:rPr lang="en-US"/>
+              <a:t>and Why? </a:t>
             </a:r>
             <a:endParaRPr lang="en-GB" dirty="0"/>
           </a:p>
@@ -14255,10 +14185,16 @@
             </a:r>
           </a:p>
           <a:p>
+            <a:endParaRPr lang="en-US" sz="3200" dirty="0"/>
+          </a:p>
+          <a:p>
             <a:r>
               <a:rPr lang="en-US" sz="3200" dirty="0"/>
               <a:t>Analyze new approaches or features</a:t>
             </a:r>
+          </a:p>
+          <a:p>
+            <a:endParaRPr lang="en-GB" sz="3200" dirty="0"/>
           </a:p>
           <a:p>
             <a:r>
@@ -14418,7 +14354,7 @@
                                         <p:tgtEl>
                                           <p:spTgt spid="13">
                                             <p:txEl>
-                                              <p:pRg st="2" end="2"/>
+                                              <p:pRg st="3" end="3"/>
                                             </p:txEl>
                                           </p:spTgt>
                                         </p:tgtEl>
@@ -14436,7 +14372,7 @@
                                         <p:tgtEl>
                                           <p:spTgt spid="13">
                                             <p:txEl>
-                                              <p:pRg st="2" end="2"/>
+                                              <p:pRg st="3" end="3"/>
                                             </p:txEl>
                                           </p:spTgt>
                                         </p:tgtEl>
@@ -14479,7 +14415,7 @@
                                         <p:tgtEl>
                                           <p:spTgt spid="13">
                                             <p:txEl>
-                                              <p:pRg st="3" end="3"/>
+                                              <p:pRg st="5" end="5"/>
                                             </p:txEl>
                                           </p:spTgt>
                                         </p:tgtEl>
@@ -14497,7 +14433,7 @@
                                         <p:tgtEl>
                                           <p:spTgt spid="13">
                                             <p:txEl>
-                                              <p:pRg st="3" end="3"/>
+                                              <p:pRg st="5" end="5"/>
                                             </p:txEl>
                                           </p:spTgt>
                                         </p:tgtEl>
